--- a/pptx_engine/templates/bull-bear/three-circles-dark.pptx
+++ b/pptx_engine/templates/bull-bear/three-circles-dark.pptx
@@ -3088,40 +3088,16 @@
         <p:nvPr/>
       </p:nvGrpSpPr>
       <p:grpSpPr/>
-      <p:pic>
-        <p:nvPicPr>
-          <p:cNvPr id="2" name="Picture 1" descr="slide_13.png"/>
-          <p:cNvPicPr>
-            <a:picLocks noChangeAspect="1"/>
-          </p:cNvPicPr>
+      <p:sp>
+        <p:nvSpPr>
+          <p:cNvPr id="2" name="TextBox 1"/>
+          <p:cNvSpPr txBox="1"/>
           <p:nvPr/>
-        </p:nvPicPr>
-        <p:blipFill>
-          <a:blip r:embed="rId2"/>
-          <a:stretch>
-            <a:fillRect/>
-          </a:stretch>
-        </p:blipFill>
+        </p:nvSpPr>
         <p:spPr>
           <a:xfrm>
-            <a:off x="0" y="0"/>
-            <a:ext cx="24384030" cy="13716000"/>
-          </a:xfrm>
-          <a:prstGeom prst="rect">
-            <a:avLst/>
-          </a:prstGeom>
-        </p:spPr>
-      </p:pic>
-      <p:sp>
-        <p:nvSpPr>
-          <p:cNvPr id="3" name="breadcrumb"/>
-          <p:cNvSpPr txBox="1"/>
-          <p:nvPr/>
-        </p:nvSpPr>
-        <p:spPr>
-          <a:xfrm>
-            <a:off x="320040" y="164592"/>
-            <a:ext cx="5486400" cy="292608"/>
+            <a:off x="16373612" y="6715445"/>
+            <a:ext cx="3885011" cy="3515593"/>
           </a:xfrm>
           <a:prstGeom prst="rect">
             <a:avLst/>
@@ -3134,29 +3110,72 @@
           </a:bodyPr>
           <a:lstStyle/>
           <a:p>
-            <a:pPr algn="l"/>
-            <a:r>
-              <a:rPr sz="1100" b="0">
+            <a:pPr algn="ctr"/>
+            <a:r>
+              <a:rPr sz="2600" b="0" i="0">
                 <a:solidFill>
                   <a:srgbClr val="FFFFFF"/>
                 </a:solidFill>
-                <a:latin typeface="Rajdhani"/>
+                <a:latin typeface="Quicksand (TT)"/>
               </a:rPr>
-              <a:t>{{breadcrumb}}</a:t>
-            </a:r>
-          </a:p>
-        </p:txBody>
-      </p:sp>
-      <p:sp>
-        <p:nvSpPr>
-          <p:cNvPr id="4" name="slide_title"/>
+              <a:t>Replacing tactical managers with high market correlations i.e. fake tactical.</a:t>
+            </a:r>
+          </a:p>
+        </p:txBody>
+      </p:sp>
+      <p:sp>
+        <p:nvSpPr>
+          <p:cNvPr id="3" name="Rounded Rectangle 2"/>
+          <p:cNvSpPr/>
+          <p:nvPr/>
+        </p:nvSpPr>
+        <p:spPr>
+          <a:xfrm>
+            <a:off x="15557875" y="5715000"/>
+            <a:ext cx="5516575" cy="5516575"/>
+          </a:xfrm>
+          <a:prstGeom prst="roundRect">
+            <a:avLst/>
+          </a:prstGeom>
+          <a:solidFill>
+            <a:srgbClr val="FEC00F"/>
+          </a:solidFill>
+          <a:ln>
+            <a:noFill/>
+          </a:ln>
+        </p:spPr>
+        <p:style>
+          <a:lnRef idx="1">
+            <a:schemeClr val="accent1"/>
+          </a:lnRef>
+          <a:fillRef idx="3">
+            <a:schemeClr val="accent1"/>
+          </a:fillRef>
+          <a:effectRef idx="2">
+            <a:schemeClr val="accent1"/>
+          </a:effectRef>
+          <a:fontRef idx="minor">
+            <a:schemeClr val="lt1"/>
+          </a:fontRef>
+        </p:style>
+        <p:txBody>
+          <a:bodyPr rtlCol="0" anchor="ctr"/>
+          <a:lstStyle/>
+          <a:p>
+            <a:pPr algn="ctr"/>
+          </a:p>
+        </p:txBody>
+      </p:sp>
+      <p:sp>
+        <p:nvSpPr>
+          <p:cNvPr id="4" name="TextBox 3"/>
           <p:cNvSpPr txBox="1"/>
           <p:nvPr/>
         </p:nvSpPr>
         <p:spPr>
           <a:xfrm>
-            <a:off x="914400" y="502920"/>
-            <a:ext cx="10332720" cy="685800"/>
+            <a:off x="16373612" y="6715445"/>
+            <a:ext cx="3885011" cy="3515593"/>
           </a:xfrm>
           <a:prstGeom prst="rect">
             <a:avLst/>
@@ -3171,27 +3190,70 @@
           <a:p>
             <a:pPr algn="ctr"/>
             <a:r>
-              <a:rPr sz="4000" b="1">
+              <a:rPr sz="2600" b="0" i="0">
                 <a:solidFill>
                   <a:srgbClr val="FFFFFF"/>
                 </a:solidFill>
-                <a:latin typeface="Rajdhani"/>
+                <a:latin typeface="Quicksand (TT)"/>
               </a:rPr>
-              <a:t>{{slide_title}}</a:t>
-            </a:r>
-          </a:p>
-        </p:txBody>
-      </p:sp>
-      <p:sp>
-        <p:nvSpPr>
-          <p:cNvPr id="5" name="circle1_text"/>
+              <a:t>Replacing tactical managers with high market correlations i.e. fake tactical.</a:t>
+            </a:r>
+          </a:p>
+        </p:txBody>
+      </p:sp>
+      <p:sp>
+        <p:nvSpPr>
+          <p:cNvPr id="5" name="Rounded Rectangle 4"/>
+          <p:cNvSpPr/>
+          <p:nvPr/>
+        </p:nvSpPr>
+        <p:spPr>
+          <a:xfrm>
+            <a:off x="15557875" y="5715000"/>
+            <a:ext cx="5516575" cy="5516575"/>
+          </a:xfrm>
+          <a:prstGeom prst="roundRect">
+            <a:avLst/>
+          </a:prstGeom>
+          <a:solidFill>
+            <a:srgbClr val="FEC00F"/>
+          </a:solidFill>
+          <a:ln>
+            <a:noFill/>
+          </a:ln>
+        </p:spPr>
+        <p:style>
+          <a:lnRef idx="1">
+            <a:schemeClr val="accent1"/>
+          </a:lnRef>
+          <a:fillRef idx="3">
+            <a:schemeClr val="accent1"/>
+          </a:fillRef>
+          <a:effectRef idx="2">
+            <a:schemeClr val="accent1"/>
+          </a:effectRef>
+          <a:fontRef idx="minor">
+            <a:schemeClr val="lt1"/>
+          </a:fontRef>
+        </p:style>
+        <p:txBody>
+          <a:bodyPr rtlCol="0" anchor="ctr"/>
+          <a:lstStyle/>
+          <a:p>
+            <a:pPr algn="ctr"/>
+          </a:p>
+        </p:txBody>
+      </p:sp>
+      <p:sp>
+        <p:nvSpPr>
+          <p:cNvPr id="6" name="TextBox 5"/>
           <p:cNvSpPr txBox="1"/>
           <p:nvPr/>
         </p:nvSpPr>
         <p:spPr>
           <a:xfrm>
-            <a:off x="457200" y="2011680"/>
-            <a:ext cx="3383280" cy="2286000"/>
+            <a:off x="10062789" y="6715445"/>
+            <a:ext cx="4258360" cy="3515593"/>
           </a:xfrm>
           <a:prstGeom prst="rect">
             <a:avLst/>
@@ -3206,27 +3268,70 @@
           <a:p>
             <a:pPr algn="ctr"/>
             <a:r>
-              <a:rPr sz="1500" b="0">
+              <a:rPr sz="2600" b="0" i="0">
                 <a:solidFill>
                   <a:srgbClr val="FFFFFF"/>
                 </a:solidFill>
-                <a:latin typeface="Quicksand"/>
+                <a:latin typeface="Quicksand (TT)"/>
               </a:rPr>
-              <a:t>{{circle1_text}}</a:t>
-            </a:r>
-          </a:p>
-        </p:txBody>
-      </p:sp>
-      <p:sp>
-        <p:nvSpPr>
-          <p:cNvPr id="6" name="circle2_text"/>
+              <a:t>Complement to traditional buy and hold portfolios.</a:t>
+            </a:r>
+          </a:p>
+        </p:txBody>
+      </p:sp>
+      <p:sp>
+        <p:nvSpPr>
+          <p:cNvPr id="7" name="Rounded Rectangle 6"/>
+          <p:cNvSpPr/>
+          <p:nvPr/>
+        </p:nvSpPr>
+        <p:spPr>
+          <a:xfrm>
+            <a:off x="9433681" y="5715000"/>
+            <a:ext cx="5516575" cy="5516575"/>
+          </a:xfrm>
+          <a:prstGeom prst="roundRect">
+            <a:avLst/>
+          </a:prstGeom>
+          <a:solidFill>
+            <a:srgbClr val="FEC00F"/>
+          </a:solidFill>
+          <a:ln>
+            <a:noFill/>
+          </a:ln>
+        </p:spPr>
+        <p:style>
+          <a:lnRef idx="1">
+            <a:schemeClr val="accent1"/>
+          </a:lnRef>
+          <a:fillRef idx="3">
+            <a:schemeClr val="accent1"/>
+          </a:fillRef>
+          <a:effectRef idx="2">
+            <a:schemeClr val="accent1"/>
+          </a:effectRef>
+          <a:fontRef idx="minor">
+            <a:schemeClr val="lt1"/>
+          </a:fontRef>
+        </p:style>
+        <p:txBody>
+          <a:bodyPr rtlCol="0" anchor="ctr"/>
+          <a:lstStyle/>
+          <a:p>
+            <a:pPr algn="ctr"/>
+          </a:p>
+        </p:txBody>
+      </p:sp>
+      <p:sp>
+        <p:nvSpPr>
+          <p:cNvPr id="8" name="TextBox 7"/>
           <p:cNvSpPr txBox="1"/>
           <p:nvPr/>
         </p:nvSpPr>
         <p:spPr>
           <a:xfrm>
-            <a:off x="4206240" y="2011680"/>
-            <a:ext cx="3383280" cy="2286000"/>
+            <a:off x="10062789" y="6715445"/>
+            <a:ext cx="4258360" cy="3515593"/>
           </a:xfrm>
           <a:prstGeom prst="rect">
             <a:avLst/>
@@ -3241,27 +3346,70 @@
           <a:p>
             <a:pPr algn="ctr"/>
             <a:r>
-              <a:rPr sz="1500" b="0">
+              <a:rPr sz="2600" b="0" i="0">
                 <a:solidFill>
                   <a:srgbClr val="FFFFFF"/>
                 </a:solidFill>
-                <a:latin typeface="Quicksand"/>
+                <a:latin typeface="Quicksand (TT)"/>
               </a:rPr>
-              <a:t>{{circle2_text}}</a:t>
-            </a:r>
-          </a:p>
-        </p:txBody>
-      </p:sp>
-      <p:sp>
-        <p:nvSpPr>
-          <p:cNvPr id="7" name="circle3_text"/>
+              <a:t>Complement to traditional buy and hold portfolios.</a:t>
+            </a:r>
+          </a:p>
+        </p:txBody>
+      </p:sp>
+      <p:sp>
+        <p:nvSpPr>
+          <p:cNvPr id="9" name="Rounded Rectangle 8"/>
+          <p:cNvSpPr/>
+          <p:nvPr/>
+        </p:nvSpPr>
+        <p:spPr>
+          <a:xfrm>
+            <a:off x="9433681" y="5715000"/>
+            <a:ext cx="5516575" cy="5516575"/>
+          </a:xfrm>
+          <a:prstGeom prst="roundRect">
+            <a:avLst/>
+          </a:prstGeom>
+          <a:solidFill>
+            <a:srgbClr val="FEC00F"/>
+          </a:solidFill>
+          <a:ln>
+            <a:noFill/>
+          </a:ln>
+        </p:spPr>
+        <p:style>
+          <a:lnRef idx="1">
+            <a:schemeClr val="accent1"/>
+          </a:lnRef>
+          <a:fillRef idx="3">
+            <a:schemeClr val="accent1"/>
+          </a:fillRef>
+          <a:effectRef idx="2">
+            <a:schemeClr val="accent1"/>
+          </a:effectRef>
+          <a:fontRef idx="minor">
+            <a:schemeClr val="lt1"/>
+          </a:fontRef>
+        </p:style>
+        <p:txBody>
+          <a:bodyPr rtlCol="0" anchor="ctr"/>
+          <a:lstStyle/>
+          <a:p>
+            <a:pPr algn="ctr"/>
+          </a:p>
+        </p:txBody>
+      </p:sp>
+      <p:sp>
+        <p:nvSpPr>
+          <p:cNvPr id="10" name="TextBox 9"/>
           <p:cNvSpPr txBox="1"/>
           <p:nvPr/>
         </p:nvSpPr>
         <p:spPr>
           <a:xfrm>
-            <a:off x="7955279" y="2011680"/>
-            <a:ext cx="3383280" cy="2286000"/>
+            <a:off x="4125315" y="6715445"/>
+            <a:ext cx="3885011" cy="3515593"/>
           </a:xfrm>
           <a:prstGeom prst="rect">
             <a:avLst/>
@@ -3276,13 +3424,204 @@
           <a:p>
             <a:pPr algn="ctr"/>
             <a:r>
-              <a:rPr sz="1500" b="0">
+              <a:rPr sz="2600" b="0" i="0">
                 <a:solidFill>
                   <a:srgbClr val="FFFFFF"/>
                 </a:solidFill>
-                <a:latin typeface="Quicksand"/>
+                <a:latin typeface="Quicksand (TT)"/>
               </a:rPr>
-              <a:t>{{circle3_text}}</a:t>
+              <a:t>Core Holding</a:t>
+            </a:r>
+          </a:p>
+        </p:txBody>
+      </p:sp>
+      <p:sp>
+        <p:nvSpPr>
+          <p:cNvPr id="11" name="Rounded Rectangle 10"/>
+          <p:cNvSpPr/>
+          <p:nvPr/>
+        </p:nvSpPr>
+        <p:spPr>
+          <a:xfrm>
+            <a:off x="3309579" y="5715000"/>
+            <a:ext cx="5516575" cy="5516575"/>
+          </a:xfrm>
+          <a:prstGeom prst="roundRect">
+            <a:avLst/>
+          </a:prstGeom>
+          <a:solidFill>
+            <a:srgbClr val="FEC00F"/>
+          </a:solidFill>
+          <a:ln>
+            <a:noFill/>
+          </a:ln>
+        </p:spPr>
+        <p:style>
+          <a:lnRef idx="1">
+            <a:schemeClr val="accent1"/>
+          </a:lnRef>
+          <a:fillRef idx="3">
+            <a:schemeClr val="accent1"/>
+          </a:fillRef>
+          <a:effectRef idx="2">
+            <a:schemeClr val="accent1"/>
+          </a:effectRef>
+          <a:fontRef idx="minor">
+            <a:schemeClr val="lt1"/>
+          </a:fontRef>
+        </p:style>
+        <p:txBody>
+          <a:bodyPr rtlCol="0" anchor="ctr"/>
+          <a:lstStyle/>
+          <a:p>
+            <a:pPr algn="ctr"/>
+          </a:p>
+        </p:txBody>
+      </p:sp>
+      <p:sp>
+        <p:nvSpPr>
+          <p:cNvPr id="12" name="TextBox 11"/>
+          <p:cNvSpPr txBox="1"/>
+          <p:nvPr/>
+        </p:nvSpPr>
+        <p:spPr>
+          <a:xfrm>
+            <a:off x="4125315" y="6715445"/>
+            <a:ext cx="3885011" cy="3515593"/>
+          </a:xfrm>
+          <a:prstGeom prst="rect">
+            <a:avLst/>
+          </a:prstGeom>
+          <a:noFill/>
+        </p:spPr>
+        <p:txBody>
+          <a:bodyPr wrap="square">
+            <a:spAutoFit/>
+          </a:bodyPr>
+          <a:lstStyle/>
+          <a:p>
+            <a:pPr algn="ctr"/>
+            <a:r>
+              <a:rPr sz="2600" b="0" i="0">
+                <a:solidFill>
+                  <a:srgbClr val="FFFFFF"/>
+                </a:solidFill>
+                <a:latin typeface="Quicksand (TT)"/>
+              </a:rPr>
+              <a:t>Core Holding</a:t>
+            </a:r>
+          </a:p>
+        </p:txBody>
+      </p:sp>
+      <p:sp>
+        <p:nvSpPr>
+          <p:cNvPr id="13" name="Rounded Rectangle 12"/>
+          <p:cNvSpPr/>
+          <p:nvPr/>
+        </p:nvSpPr>
+        <p:spPr>
+          <a:xfrm>
+            <a:off x="3309579" y="5715000"/>
+            <a:ext cx="5516575" cy="5516575"/>
+          </a:xfrm>
+          <a:prstGeom prst="roundRect">
+            <a:avLst/>
+          </a:prstGeom>
+          <a:solidFill>
+            <a:srgbClr val="FEC00F"/>
+          </a:solidFill>
+          <a:ln>
+            <a:noFill/>
+          </a:ln>
+        </p:spPr>
+        <p:style>
+          <a:lnRef idx="1">
+            <a:schemeClr val="accent1"/>
+          </a:lnRef>
+          <a:fillRef idx="3">
+            <a:schemeClr val="accent1"/>
+          </a:fillRef>
+          <a:effectRef idx="2">
+            <a:schemeClr val="accent1"/>
+          </a:effectRef>
+          <a:fontRef idx="minor">
+            <a:schemeClr val="lt1"/>
+          </a:fontRef>
+        </p:style>
+        <p:txBody>
+          <a:bodyPr rtlCol="0" anchor="ctr"/>
+          <a:lstStyle/>
+          <a:p>
+            <a:pPr algn="ctr"/>
+          </a:p>
+        </p:txBody>
+      </p:sp>
+      <p:sp>
+        <p:nvSpPr>
+          <p:cNvPr id="14" name="TextBox 13"/>
+          <p:cNvSpPr txBox="1"/>
+          <p:nvPr/>
+        </p:nvSpPr>
+        <p:spPr>
+          <a:xfrm>
+            <a:off x="1066830" y="1143000"/>
+            <a:ext cx="5333969" cy="559155"/>
+          </a:xfrm>
+          <a:prstGeom prst="rect">
+            <a:avLst/>
+          </a:prstGeom>
+          <a:noFill/>
+        </p:spPr>
+        <p:txBody>
+          <a:bodyPr wrap="square">
+            <a:spAutoFit/>
+          </a:bodyPr>
+          <a:lstStyle/>
+          <a:p>
+            <a:pPr algn="l"/>
+            <a:r>
+              <a:rPr sz="3600" b="0" i="0">
+                <a:solidFill>
+                  <a:srgbClr val="FFFFFF"/>
+                </a:solidFill>
+                <a:latin typeface="Rajdhani"/>
+              </a:rPr>
+              <a:t>bull bear strategy</a:t>
+            </a:r>
+          </a:p>
+        </p:txBody>
+      </p:sp>
+      <p:sp>
+        <p:nvSpPr>
+          <p:cNvPr id="15" name="TextBox 14"/>
+          <p:cNvSpPr txBox="1"/>
+          <p:nvPr/>
+        </p:nvSpPr>
+        <p:spPr>
+          <a:xfrm>
+            <a:off x="3853921" y="2475463"/>
+            <a:ext cx="16676187" cy="1623060"/>
+          </a:xfrm>
+          <a:prstGeom prst="rect">
+            <a:avLst/>
+          </a:prstGeom>
+          <a:noFill/>
+        </p:spPr>
+        <p:txBody>
+          <a:bodyPr wrap="square">
+            <a:spAutoFit/>
+          </a:bodyPr>
+          <a:lstStyle/>
+          <a:p>
+            <a:pPr algn="ctr"/>
+            <a:r>
+              <a:rPr sz="6000" b="0" i="0">
+                <a:solidFill>
+                  <a:srgbClr val="FFFFFF"/>
+                </a:solidFill>
+                <a:latin typeface="Rajdhani"/>
+              </a:rPr>
+              <a:t>how are advisors using bull bear?</a:t>
             </a:r>
           </a:p>
         </p:txBody>

--- a/pptx_engine/templates/bull-bear/three-circles-dark.pptx
+++ b/pptx_engine/templates/bull-bear/three-circles-dark.pptx
@@ -3088,9 +3088,33 @@
         <p:nvPr/>
       </p:nvGrpSpPr>
       <p:grpSpPr/>
-      <p:sp>
-        <p:nvSpPr>
-          <p:cNvPr id="2" name="TextBox 1"/>
+      <p:pic>
+        <p:nvPicPr>
+          <p:cNvPr id="2" name="Picture 1" descr="s13_e30.png"/>
+          <p:cNvPicPr>
+            <a:picLocks noChangeAspect="1"/>
+          </p:cNvPicPr>
+          <p:nvPr/>
+        </p:nvPicPr>
+        <p:blipFill>
+          <a:blip r:embed="rId2"/>
+          <a:stretch>
+            <a:fillRect/>
+          </a:stretch>
+        </p:blipFill>
+        <p:spPr>
+          <a:xfrm>
+            <a:off x="15557875" y="5715000"/>
+            <a:ext cx="5516575" cy="5516575"/>
+          </a:xfrm>
+          <a:prstGeom prst="rect">
+            <a:avLst/>
+          </a:prstGeom>
+        </p:spPr>
+      </p:pic>
+      <p:sp>
+        <p:nvSpPr>
+          <p:cNvPr id="3" name="TextBox 2"/>
           <p:cNvSpPr txBox="1"/>
           <p:nvPr/>
         </p:nvSpPr>
@@ -3125,7 +3149,7 @@
       </p:sp>
       <p:sp>
         <p:nvSpPr>
-          <p:cNvPr id="3" name="Rounded Rectangle 2"/>
+          <p:cNvPr id="4" name="Rounded Rectangle 3"/>
           <p:cNvSpPr/>
           <p:nvPr/>
         </p:nvSpPr>
@@ -3166,84 +3190,30 @@
           </a:p>
         </p:txBody>
       </p:sp>
-      <p:sp>
-        <p:nvSpPr>
-          <p:cNvPr id="4" name="TextBox 3"/>
-          <p:cNvSpPr txBox="1"/>
+      <p:pic>
+        <p:nvPicPr>
+          <p:cNvPr id="5" name="Picture 4" descr="s13_e31.png"/>
+          <p:cNvPicPr>
+            <a:picLocks noChangeAspect="1"/>
+          </p:cNvPicPr>
           <p:nvPr/>
-        </p:nvSpPr>
+        </p:nvPicPr>
+        <p:blipFill>
+          <a:blip r:embed="rId3"/>
+          <a:stretch>
+            <a:fillRect/>
+          </a:stretch>
+        </p:blipFill>
         <p:spPr>
           <a:xfrm>
-            <a:off x="16373612" y="6715445"/>
-            <a:ext cx="3885011" cy="3515593"/>
+            <a:off x="9433681" y="5715000"/>
+            <a:ext cx="5516575" cy="5516575"/>
           </a:xfrm>
           <a:prstGeom prst="rect">
             <a:avLst/>
           </a:prstGeom>
-          <a:noFill/>
         </p:spPr>
-        <p:txBody>
-          <a:bodyPr wrap="square">
-            <a:spAutoFit/>
-          </a:bodyPr>
-          <a:lstStyle/>
-          <a:p>
-            <a:pPr algn="ctr"/>
-            <a:r>
-              <a:rPr sz="2600" b="0" i="0">
-                <a:solidFill>
-                  <a:srgbClr val="FFFFFF"/>
-                </a:solidFill>
-                <a:latin typeface="Quicksand (TT)"/>
-              </a:rPr>
-              <a:t>Replacing tactical managers with high market correlations i.e. fake tactical.</a:t>
-            </a:r>
-          </a:p>
-        </p:txBody>
-      </p:sp>
-      <p:sp>
-        <p:nvSpPr>
-          <p:cNvPr id="5" name="Rounded Rectangle 4"/>
-          <p:cNvSpPr/>
-          <p:nvPr/>
-        </p:nvSpPr>
-        <p:spPr>
-          <a:xfrm>
-            <a:off x="15557875" y="5715000"/>
-            <a:ext cx="5516575" cy="5516575"/>
-          </a:xfrm>
-          <a:prstGeom prst="roundRect">
-            <a:avLst/>
-          </a:prstGeom>
-          <a:solidFill>
-            <a:srgbClr val="FEC00F"/>
-          </a:solidFill>
-          <a:ln>
-            <a:noFill/>
-          </a:ln>
-        </p:spPr>
-        <p:style>
-          <a:lnRef idx="1">
-            <a:schemeClr val="accent1"/>
-          </a:lnRef>
-          <a:fillRef idx="3">
-            <a:schemeClr val="accent1"/>
-          </a:fillRef>
-          <a:effectRef idx="2">
-            <a:schemeClr val="accent1"/>
-          </a:effectRef>
-          <a:fontRef idx="minor">
-            <a:schemeClr val="lt1"/>
-          </a:fontRef>
-        </p:style>
-        <p:txBody>
-          <a:bodyPr rtlCol="0" anchor="ctr"/>
-          <a:lstStyle/>
-          <a:p>
-            <a:pPr algn="ctr"/>
-          </a:p>
-        </p:txBody>
-      </p:sp>
+      </p:pic>
       <p:sp>
         <p:nvSpPr>
           <p:cNvPr id="6" name="TextBox 5"/>
@@ -3322,87 +3292,33 @@
           </a:p>
         </p:txBody>
       </p:sp>
-      <p:sp>
-        <p:nvSpPr>
-          <p:cNvPr id="8" name="TextBox 7"/>
-          <p:cNvSpPr txBox="1"/>
+      <p:pic>
+        <p:nvPicPr>
+          <p:cNvPr id="8" name="Picture 7" descr="s13_e32.png"/>
+          <p:cNvPicPr>
+            <a:picLocks noChangeAspect="1"/>
+          </p:cNvPicPr>
           <p:nvPr/>
-        </p:nvSpPr>
+        </p:nvPicPr>
+        <p:blipFill>
+          <a:blip r:embed="rId4"/>
+          <a:stretch>
+            <a:fillRect/>
+          </a:stretch>
+        </p:blipFill>
         <p:spPr>
           <a:xfrm>
-            <a:off x="10062789" y="6715445"/>
-            <a:ext cx="4258360" cy="3515593"/>
+            <a:off x="3309579" y="5715000"/>
+            <a:ext cx="5516575" cy="5516575"/>
           </a:xfrm>
           <a:prstGeom prst="rect">
             <a:avLst/>
           </a:prstGeom>
-          <a:noFill/>
         </p:spPr>
-        <p:txBody>
-          <a:bodyPr wrap="square">
-            <a:spAutoFit/>
-          </a:bodyPr>
-          <a:lstStyle/>
-          <a:p>
-            <a:pPr algn="ctr"/>
-            <a:r>
-              <a:rPr sz="2600" b="0" i="0">
-                <a:solidFill>
-                  <a:srgbClr val="FFFFFF"/>
-                </a:solidFill>
-                <a:latin typeface="Quicksand (TT)"/>
-              </a:rPr>
-              <a:t>Complement to traditional buy and hold portfolios.</a:t>
-            </a:r>
-          </a:p>
-        </p:txBody>
-      </p:sp>
-      <p:sp>
-        <p:nvSpPr>
-          <p:cNvPr id="9" name="Rounded Rectangle 8"/>
-          <p:cNvSpPr/>
-          <p:nvPr/>
-        </p:nvSpPr>
-        <p:spPr>
-          <a:xfrm>
-            <a:off x="9433681" y="5715000"/>
-            <a:ext cx="5516575" cy="5516575"/>
-          </a:xfrm>
-          <a:prstGeom prst="roundRect">
-            <a:avLst/>
-          </a:prstGeom>
-          <a:solidFill>
-            <a:srgbClr val="FEC00F"/>
-          </a:solidFill>
-          <a:ln>
-            <a:noFill/>
-          </a:ln>
-        </p:spPr>
-        <p:style>
-          <a:lnRef idx="1">
-            <a:schemeClr val="accent1"/>
-          </a:lnRef>
-          <a:fillRef idx="3">
-            <a:schemeClr val="accent1"/>
-          </a:fillRef>
-          <a:effectRef idx="2">
-            <a:schemeClr val="accent1"/>
-          </a:effectRef>
-          <a:fontRef idx="minor">
-            <a:schemeClr val="lt1"/>
-          </a:fontRef>
-        </p:style>
-        <p:txBody>
-          <a:bodyPr rtlCol="0" anchor="ctr"/>
-          <a:lstStyle/>
-          <a:p>
-            <a:pPr algn="ctr"/>
-          </a:p>
-        </p:txBody>
-      </p:sp>
-      <p:sp>
-        <p:nvSpPr>
-          <p:cNvPr id="10" name="TextBox 9"/>
+      </p:pic>
+      <p:sp>
+        <p:nvSpPr>
+          <p:cNvPr id="9" name="TextBox 8"/>
           <p:cNvSpPr txBox="1"/>
           <p:nvPr/>
         </p:nvSpPr>
@@ -3437,7 +3353,7 @@
       </p:sp>
       <p:sp>
         <p:nvSpPr>
-          <p:cNvPr id="11" name="Rounded Rectangle 10"/>
+          <p:cNvPr id="10" name="Rounded Rectangle 9"/>
           <p:cNvSpPr/>
           <p:nvPr/>
         </p:nvSpPr>
@@ -3480,85 +3396,7 @@
       </p:sp>
       <p:sp>
         <p:nvSpPr>
-          <p:cNvPr id="12" name="TextBox 11"/>
-          <p:cNvSpPr txBox="1"/>
-          <p:nvPr/>
-        </p:nvSpPr>
-        <p:spPr>
-          <a:xfrm>
-            <a:off x="4125315" y="6715445"/>
-            <a:ext cx="3885011" cy="3515593"/>
-          </a:xfrm>
-          <a:prstGeom prst="rect">
-            <a:avLst/>
-          </a:prstGeom>
-          <a:noFill/>
-        </p:spPr>
-        <p:txBody>
-          <a:bodyPr wrap="square">
-            <a:spAutoFit/>
-          </a:bodyPr>
-          <a:lstStyle/>
-          <a:p>
-            <a:pPr algn="ctr"/>
-            <a:r>
-              <a:rPr sz="2600" b="0" i="0">
-                <a:solidFill>
-                  <a:srgbClr val="FFFFFF"/>
-                </a:solidFill>
-                <a:latin typeface="Quicksand (TT)"/>
-              </a:rPr>
-              <a:t>Core Holding</a:t>
-            </a:r>
-          </a:p>
-        </p:txBody>
-      </p:sp>
-      <p:sp>
-        <p:nvSpPr>
-          <p:cNvPr id="13" name="Rounded Rectangle 12"/>
-          <p:cNvSpPr/>
-          <p:nvPr/>
-        </p:nvSpPr>
-        <p:spPr>
-          <a:xfrm>
-            <a:off x="3309579" y="5715000"/>
-            <a:ext cx="5516575" cy="5516575"/>
-          </a:xfrm>
-          <a:prstGeom prst="roundRect">
-            <a:avLst/>
-          </a:prstGeom>
-          <a:solidFill>
-            <a:srgbClr val="FEC00F"/>
-          </a:solidFill>
-          <a:ln>
-            <a:noFill/>
-          </a:ln>
-        </p:spPr>
-        <p:style>
-          <a:lnRef idx="1">
-            <a:schemeClr val="accent1"/>
-          </a:lnRef>
-          <a:fillRef idx="3">
-            <a:schemeClr val="accent1"/>
-          </a:fillRef>
-          <a:effectRef idx="2">
-            <a:schemeClr val="accent1"/>
-          </a:effectRef>
-          <a:fontRef idx="minor">
-            <a:schemeClr val="lt1"/>
-          </a:fontRef>
-        </p:style>
-        <p:txBody>
-          <a:bodyPr rtlCol="0" anchor="ctr"/>
-          <a:lstStyle/>
-          <a:p>
-            <a:pPr algn="ctr"/>
-          </a:p>
-        </p:txBody>
-      </p:sp>
-      <p:sp>
-        <p:nvSpPr>
-          <p:cNvPr id="14" name="TextBox 13"/>
+          <p:cNvPr id="11" name="TextBox 10"/>
           <p:cNvSpPr txBox="1"/>
           <p:nvPr/>
         </p:nvSpPr>
@@ -3593,7 +3431,7 @@
       </p:sp>
       <p:sp>
         <p:nvSpPr>
-          <p:cNvPr id="15" name="TextBox 14"/>
+          <p:cNvPr id="12" name="TextBox 11"/>
           <p:cNvSpPr txBox="1"/>
           <p:nvPr/>
         </p:nvSpPr>
